--- a/docs/diagrams/UndoRedoExecuteUndoDiagram.pptx
+++ b/docs/diagrams/UndoRedoExecuteUndoDiagram.pptx
@@ -4090,7 +4090,7 @@
               <a:rPr lang="en-SG" dirty="0">
                 <a:latin typeface="Consolas" panose="020B0609020204030204" pitchFamily="49" charset="0"/>
               </a:rPr>
-              <a:t>edit 5 …</a:t>
+              <a:t>clear</a:t>
             </a:r>
           </a:p>
         </p:txBody>
@@ -4234,11 +4234,14 @@
           <a:p>
             <a:pPr algn="ctr"/>
             <a:r>
-              <a:rPr lang="en-SG" dirty="0">
+              <a:rPr lang="en-SG">
                 <a:latin typeface="Consolas" panose="020B0609020204030204" pitchFamily="49" charset="0"/>
               </a:rPr>
-              <a:t>edit 5 …</a:t>
-            </a:r>
+              <a:t>clear</a:t>
+            </a:r>
+            <a:endParaRPr lang="en-SG" dirty="0">
+              <a:latin typeface="Consolas" panose="020B0609020204030204" pitchFamily="49" charset="0"/>
+            </a:endParaRPr>
           </a:p>
         </p:txBody>
       </p:sp>
